--- a/data/Plots_Admin.pptx
+++ b/data/Plots_Admin.pptx
@@ -3440,8 +3440,8 @@
         </p:nvSpPr>
         <p:spPr>
           <a:xfrm flipH="false" flipV="false" rot="0">
-            <a:off x="297708" y="446164"/>
-            <a:ext cx="8364381" cy="3648961"/>
+            <a:off x="616746" y="646015"/>
+            <a:ext cx="9135620" cy="3985414"/>
           </a:xfrm>
           <a:custGeom>
             <a:avLst/>
@@ -3450,18 +3450,18 @@
             <a:cxnLst/>
             <a:rect r="r" b="b" t="t" l="l"/>
             <a:pathLst>
-              <a:path h="3648961" w="8364381">
+              <a:path h="3985414" w="9135620">
                 <a:moveTo>
                   <a:pt x="0" y="0"/>
                 </a:moveTo>
                 <a:lnTo>
-                  <a:pt x="8364380" y="0"/>
+                  <a:pt x="9135620" y="0"/>
                 </a:lnTo>
                 <a:lnTo>
-                  <a:pt x="8364380" y="3648961"/>
+                  <a:pt x="9135620" y="3985414"/>
                 </a:lnTo>
                 <a:lnTo>
-                  <a:pt x="0" y="3648961"/>
+                  <a:pt x="0" y="3985414"/>
                 </a:lnTo>
                 <a:lnTo>
                   <a:pt x="0" y="0"/>
@@ -3486,8 +3486,8 @@
         </p:nvSpPr>
         <p:spPr>
           <a:xfrm flipH="false" flipV="false" rot="0">
-            <a:off x="0" y="5143500"/>
-            <a:ext cx="9144000" cy="3874770"/>
+            <a:off x="616746" y="5498092"/>
+            <a:ext cx="9135620" cy="3871219"/>
           </a:xfrm>
           <a:custGeom>
             <a:avLst/>
@@ -3496,18 +3496,18 @@
             <a:cxnLst/>
             <a:rect r="r" b="b" t="t" l="l"/>
             <a:pathLst>
-              <a:path h="3874770" w="9144000">
+              <a:path h="3871219" w="9135620">
                 <a:moveTo>
                   <a:pt x="0" y="0"/>
                 </a:moveTo>
                 <a:lnTo>
-                  <a:pt x="9144000" y="0"/>
+                  <a:pt x="9135620" y="0"/>
                 </a:lnTo>
                 <a:lnTo>
-                  <a:pt x="9144000" y="3874770"/>
+                  <a:pt x="9135620" y="3871219"/>
                 </a:lnTo>
                 <a:lnTo>
-                  <a:pt x="0" y="3874770"/>
+                  <a:pt x="0" y="3871219"/>
                 </a:lnTo>
                 <a:lnTo>
                   <a:pt x="0" y="0"/>
@@ -3532,8 +3532,8 @@
         </p:nvSpPr>
         <p:spPr>
           <a:xfrm rot="0">
-            <a:off x="9752366" y="3275000"/>
-            <a:ext cx="7990848" cy="3256831"/>
+            <a:off x="9939972" y="2243167"/>
+            <a:ext cx="7990848" cy="6990631"/>
           </a:xfrm>
           <a:prstGeom prst="rect">
             <a:avLst/>
@@ -3568,9 +3568,6 @@
               <a:lnSpc>
                 <a:spcPts val="3714"/>
               </a:lnSpc>
-              <a:spcBef>
-                <a:spcPct val="0"/>
-              </a:spcBef>
             </a:pPr>
             <a:r>
               <a:rPr lang="en-US" sz="2653">
@@ -3582,7 +3579,36 @@
                 <a:cs typeface="Open Sans"/>
                 <a:sym typeface="Open Sans"/>
               </a:rPr>
-              <a:t>El carburante con menor coste energético en cada año es el Bioetanol. No obstante, sí que sigue habiendo emisiones de CO2 por parte de este carburante, por eso se observa un repunte de las emisiones de CO2 por este gas en 2023</a:t>
+              <a:t>El carburante con menor coste energético en cada año es el Bioetanol. También el que produce menos C02. La certificación por CAE indica que tras llevar a cabo una actuación de eficiencia energética, se ha conseguido un nuevo ahorro de energía final.</a:t>
+            </a:r>
+          </a:p>
+          <a:p>
+            <a:pPr algn="l">
+              <a:lnSpc>
+                <a:spcPts val="3714"/>
+              </a:lnSpc>
+            </a:pPr>
+          </a:p>
+          <a:p>
+            <a:pPr algn="l">
+              <a:lnSpc>
+                <a:spcPts val="3714"/>
+              </a:lnSpc>
+              <a:spcBef>
+                <a:spcPct val="0"/>
+              </a:spcBef>
+            </a:pPr>
+            <a:r>
+              <a:rPr lang="en-US" sz="2653">
+                <a:solidFill>
+                  <a:srgbClr val="000000"/>
+                </a:solidFill>
+                <a:latin typeface="Open Sans"/>
+                <a:ea typeface="Open Sans"/>
+                <a:cs typeface="Open Sans"/>
+                <a:sym typeface="Open Sans"/>
+              </a:rPr>
+              <a:t>Creo que el objetivo era conseguir certificados CAE para monetizarlos. Se puede plantear el cambio de los vehículos de la flota para que su carburante sea el Bioetanol. Habrá un coste por cambio del tipo de vehículo pero eso repercutirá en ahorro energético y en la obtención del certificado CAE.</a:t>
             </a:r>
           </a:p>
         </p:txBody>
